--- a/DellRepoMan/ATT/ATTDRMBriefing.pptx
+++ b/DellRepoMan/ATT/ATTDRMBriefing.pptx
@@ -5141,7 +5141,7 @@
                   <a:schemeClr val="bg1"/>
                 </a:buClr>
               </a:pPr>
-              <a:t>9/24/2018</a:t>
+              <a:t>10/19/2018</a:t>
             </a:fld>
             <a:endParaRPr lang="en-US" sz="900" dirty="0">
               <a:solidFill>
@@ -5215,7 +5215,7 @@
                   <a:schemeClr val="bg1"/>
                 </a:buClr>
               </a:pPr>
-              <a:t>9/24/2018</a:t>
+              <a:t>10/19/2018</a:t>
             </a:fld>
             <a:endParaRPr lang="en-US" sz="900" dirty="0">
               <a:solidFill>
@@ -6161,7 +6161,7 @@
           <a:p>
             <a:r>
               <a:rPr lang="en-US" dirty="0"/>
-              <a:t>9/24/2018</a:t>
+              <a:t>10/19/2018</a:t>
             </a:r>
           </a:p>
         </p:txBody>
@@ -6347,13 +6347,13 @@
           <a:p>
             <a:r>
               <a:rPr lang="en-US" dirty="0"/>
-              <a:t>New firmware Updates for DCS1610/ DSS9600 are tested by ESI with customer config.</a:t>
+              <a:t>New firmware DUPs for DCS1610/ DSS9600 are tested by ESI with customer config.</a:t>
             </a:r>
           </a:p>
           <a:p>
             <a:r>
               <a:rPr lang="en-US" dirty="0"/>
-              <a:t>ESI Support team delivers Updates by request, individually.</a:t>
+              <a:t>ESI Support team delivers DUPs by request, individually.</a:t>
             </a:r>
           </a:p>
           <a:p>
@@ -6366,7 +6366,7 @@
             </a:br>
             <a:r>
               <a:rPr lang="en-US" dirty="0"/>
-              <a:t>(Possibly one-by-one, not sure of process.)</a:t>
+              <a:t>(Run each update one by one from Linux Host OS)</a:t>
             </a:r>
           </a:p>
           <a:p>
@@ -6440,41 +6440,33 @@
           <a:p>
             <a:r>
               <a:rPr lang="en-US" dirty="0"/>
-              <a:t>Team exports the repository and zips the resulting files for delivery to the customer.</a:t>
-            </a:r>
-          </a:p>
-          <a:p>
+              <a:t>Team exports each repository as Smart Deployment Script (</a:t>
+            </a:r>
+            <a:r>
+              <a:rPr lang="en-US" dirty="0" err="1"/>
+              <a:t>linux</a:t>
+            </a:r>
             <a:r>
               <a:rPr lang="en-US" dirty="0"/>
-              <a:t>Customer unzips files to a file share (NFS/Windows/TFTP/…)</a:t>
+              <a:t>) and zips the resulting files for delivery to AT&amp;T.</a:t>
             </a:r>
           </a:p>
           <a:p>
             <a:r>
               <a:rPr lang="en-US" dirty="0"/>
-              <a:t>Customer systems auto-update via </a:t>
-            </a:r>
-            <a:r>
-              <a:rPr lang="en-US" dirty="0" err="1"/>
-              <a:t>iDrac</a:t>
-            </a:r>
+              <a:t>AT&amp;T admins unzip files to a file share (NFS/CIFS/TFTP/…)</a:t>
+            </a:r>
+          </a:p>
+          <a:p>
             <a:r>
               <a:rPr lang="en-US" dirty="0"/>
-              <a:t> Automatic Updates, scheduled, </a:t>
-            </a:r>
-            <a:r>
-              <a:rPr lang="en-US" dirty="0" err="1"/>
-              <a:t>en</a:t>
-            </a:r>
+              <a:t>Sysadmins run script per system as needed.</a:t>
+            </a:r>
+          </a:p>
+          <a:p>
             <a:r>
               <a:rPr lang="en-US" dirty="0"/>
-              <a:t> masse.</a:t>
-            </a:r>
-          </a:p>
-          <a:p>
-            <a:r>
-              <a:rPr lang="en-US" dirty="0"/>
-              <a:t>Value Added: Easier update distribution for hundreds of systems.</a:t>
+              <a:t>Value Added: Same deployment method as currently used.</a:t>
             </a:r>
           </a:p>
         </p:txBody>
@@ -6778,6 +6770,7 @@
             </a:extLst>
           </p:cNvPr>
           <p:cNvCxnSpPr>
+            <a:cxnSpLocks/>
             <a:stCxn id="6" idx="1"/>
             <a:endCxn id="7" idx="1"/>
           </p:cNvCxnSpPr>
@@ -8302,15 +8295,7 @@
             </a:r>
             <a:r>
               <a:rPr lang="en-US" sz="1800" dirty="0"/>
-              <a:t> - System-specific DUPs (BIOS, </a:t>
-            </a:r>
-            <a:r>
-              <a:rPr lang="en-US" sz="1800" dirty="0" err="1"/>
-              <a:t>iDrac</a:t>
-            </a:r>
-            <a:r>
-              <a:rPr lang="en-US" sz="1800" dirty="0"/>
-              <a:t>, PSU, CPLD)</a:t>
+              <a:t> - System-specific DUPs (BIOS, PSU, CPLD)</a:t>
             </a:r>
           </a:p>
           <a:p>
@@ -8591,7 +8576,7 @@
           <a:p>
             <a:r>
               <a:rPr lang="en-US" dirty="0"/>
-              <a:t>DRM Custom Catalog Use Case</a:t>
+              <a:t>DRM Custom Catalog Use Case (AT&amp;T)</a:t>
             </a:r>
           </a:p>
         </p:txBody>
@@ -8610,7 +8595,7 @@
         </p:nvSpPr>
         <p:spPr>
           <a:xfrm>
-            <a:off x="2663555" y="843607"/>
+            <a:off x="2801658" y="751397"/>
             <a:ext cx="1421018" cy="590719"/>
           </a:xfrm>
           <a:prstGeom prst="cloud">
@@ -8667,8 +8652,8 @@
         </p:nvSpPr>
         <p:spPr>
           <a:xfrm>
-            <a:off x="1675636" y="1936825"/>
-            <a:ext cx="1416107" cy="744467"/>
+            <a:off x="1775440" y="1695460"/>
+            <a:ext cx="1217849" cy="614781"/>
           </a:xfrm>
           <a:prstGeom prst="roundRect">
             <a:avLst/>
@@ -8724,8 +8709,8 @@
         </p:nvSpPr>
         <p:spPr>
           <a:xfrm>
-            <a:off x="1676665" y="3355757"/>
-            <a:ext cx="1421137" cy="1039827"/>
+            <a:off x="1797132" y="2796610"/>
+            <a:ext cx="1167609" cy="536618"/>
           </a:xfrm>
           <a:prstGeom prst="can">
             <a:avLst/>
@@ -8762,7 +8747,7 @@
                 </a:solidFill>
                 <a:latin typeface="+mn-lt"/>
               </a:rPr>
-              <a:t>Target system repo</a:t>
+              <a:t>DCS1610 repo</a:t>
             </a:r>
           </a:p>
         </p:txBody>
@@ -8781,7 +8766,7 @@
         </p:nvSpPr>
         <p:spPr>
           <a:xfrm>
-            <a:off x="6488433" y="1891907"/>
+            <a:off x="6509697" y="1650909"/>
             <a:ext cx="1181437" cy="547429"/>
           </a:xfrm>
           <a:prstGeom prst="rect">
@@ -8842,8 +8827,8 @@
         </p:nvCxnSpPr>
         <p:spPr>
           <a:xfrm rot="5400000">
-            <a:off x="2795223" y="1730218"/>
-            <a:ext cx="875362" cy="282321"/>
+            <a:off x="2922046" y="1412730"/>
+            <a:ext cx="661364" cy="518878"/>
           </a:xfrm>
           <a:prstGeom prst="bentConnector2">
             <a:avLst/>
@@ -8885,8 +8870,8 @@
         </p:nvSpPr>
         <p:spPr>
           <a:xfrm>
-            <a:off x="3299676" y="1332819"/>
-            <a:ext cx="912085" cy="646331"/>
+            <a:off x="3426781" y="1315884"/>
+            <a:ext cx="912085" cy="461665"/>
           </a:xfrm>
           <a:prstGeom prst="rect">
             <a:avLst/>
@@ -8917,7 +8902,7 @@
                 </a:solidFill>
                 <a:latin typeface="+mn-lt"/>
               </a:rPr>
-              <a:t>Download Common DUPs</a:t>
+              <a:t>Common DUPs</a:t>
             </a:r>
           </a:p>
         </p:txBody>
@@ -8939,9 +8924,9 @@
           <p:nvPr/>
         </p:nvCxnSpPr>
         <p:spPr>
-          <a:xfrm>
-            <a:off x="2383690" y="2681292"/>
-            <a:ext cx="3544" cy="674465"/>
+          <a:xfrm flipH="1">
+            <a:off x="2380937" y="2310241"/>
+            <a:ext cx="3428" cy="486369"/>
           </a:xfrm>
           <a:prstGeom prst="straightConnector1">
             <a:avLst/>
@@ -8983,8 +8968,8 @@
         </p:nvSpPr>
         <p:spPr>
           <a:xfrm>
-            <a:off x="3243633" y="3208493"/>
-            <a:ext cx="1423239" cy="428878"/>
+            <a:off x="3085345" y="2893033"/>
+            <a:ext cx="1615663" cy="428878"/>
           </a:xfrm>
           <a:prstGeom prst="rightArrow">
             <a:avLst/>
@@ -9037,8 +9022,8 @@
         </p:nvSpPr>
         <p:spPr>
           <a:xfrm>
-            <a:off x="3243633" y="3925142"/>
-            <a:ext cx="1423239" cy="428878"/>
+            <a:off x="3094211" y="3711585"/>
+            <a:ext cx="1606797" cy="428878"/>
           </a:xfrm>
           <a:prstGeom prst="rightArrow">
             <a:avLst/>
@@ -9091,7 +9076,7 @@
         </p:nvSpPr>
         <p:spPr>
           <a:xfrm>
-            <a:off x="2500296" y="2719100"/>
+            <a:off x="1836863" y="2380146"/>
             <a:ext cx="1152006" cy="461665"/>
           </a:xfrm>
           <a:prstGeom prst="rect">
@@ -9142,7 +9127,7 @@
         </p:nvSpPr>
         <p:spPr>
           <a:xfrm>
-            <a:off x="4764944" y="3046335"/>
+            <a:off x="4753348" y="2806307"/>
             <a:ext cx="712099" cy="618846"/>
           </a:xfrm>
           <a:prstGeom prst="can">
@@ -9180,66 +9165,7 @@
                 </a:solidFill>
                 <a:latin typeface="+mn-lt"/>
               </a:rPr>
-              <a:t>File share</a:t>
-            </a:r>
-          </a:p>
-        </p:txBody>
-      </p:sp>
-      <p:sp>
-        <p:nvSpPr>
-          <p:cNvPr id="25" name="Oval 24">
-            <a:extLst>
-              <a:ext uri="{FF2B5EF4-FFF2-40B4-BE49-F238E27FC236}">
-                <a16:creationId xmlns:a16="http://schemas.microsoft.com/office/drawing/2014/main" id="{4F80EC7C-E94F-4E30-BA2B-D0FA22DCE6C6}"/>
-              </a:ext>
-            </a:extLst>
-          </p:cNvPr>
-          <p:cNvSpPr/>
-          <p:nvPr/>
-        </p:nvSpPr>
-        <p:spPr>
-          <a:xfrm>
-            <a:off x="4680389" y="3710589"/>
-            <a:ext cx="868692" cy="796675"/>
-          </a:xfrm>
-          <a:prstGeom prst="ellipse">
-            <a:avLst/>
-          </a:prstGeom>
-          <a:solidFill>
-            <a:schemeClr val="tx2">
-              <a:lumMod val="85000"/>
-            </a:schemeClr>
-          </a:solidFill>
-          <a:ln w="12700" cmpd="sng">
-            <a:noFill/>
-          </a:ln>
-          <a:effectLst/>
-        </p:spPr>
-        <p:txBody>
-          <a:bodyPr wrap="square" lIns="182880" tIns="137160" rIns="137160" bIns="137160" rtlCol="0" anchor="ctr">
-            <a:noAutofit/>
-          </a:bodyPr>
-          <a:lstStyle/>
-          <a:p>
-            <a:pPr algn="ctr">
-              <a:lnSpc>
-                <a:spcPct val="90000"/>
-              </a:lnSpc>
-              <a:spcBef>
-                <a:spcPts val="600"/>
-              </a:spcBef>
-              <a:spcAft>
-                <a:spcPts val="0"/>
-              </a:spcAft>
-            </a:pPr>
-            <a:r>
-              <a:rPr lang="en-US" sz="1200" dirty="0">
-                <a:solidFill>
-                  <a:schemeClr val="tx2"/>
-                </a:solidFill>
-                <a:latin typeface="+mn-lt"/>
-              </a:rPr>
-              <a:t>ISO</a:t>
+              <a:t>File share1</a:t>
             </a:r>
           </a:p>
         </p:txBody>
@@ -9257,9 +9183,9 @@
           <p:nvPr/>
         </p:nvSpPr>
         <p:spPr>
-          <a:xfrm rot="20247487">
-            <a:off x="5626926" y="2587119"/>
-            <a:ext cx="1180608" cy="955751"/>
+          <a:xfrm rot="20695927">
+            <a:off x="5572949" y="2422646"/>
+            <a:ext cx="1209535" cy="955751"/>
           </a:xfrm>
           <a:prstGeom prst="rightArrow">
             <a:avLst/>
@@ -9290,22 +9216,13 @@
               </a:spcAft>
             </a:pPr>
             <a:r>
-              <a:rPr lang="en-US" sz="1200" dirty="0" err="1">
+              <a:rPr lang="en-US" sz="1200" dirty="0">
                 <a:solidFill>
                   <a:schemeClr val="tx2"/>
                 </a:solidFill>
                 <a:latin typeface="+mn-lt"/>
               </a:rPr>
-              <a:t>iDrac</a:t>
-            </a:r>
-            <a:r>
-              <a:rPr lang="en-US" sz="1200" dirty="0">
-                <a:solidFill>
-                  <a:schemeClr val="tx2"/>
-                </a:solidFill>
-                <a:latin typeface="+mn-lt"/>
-              </a:rPr>
-              <a:t> Auto Update</a:t>
+              <a:t>Smart Deploy Script</a:t>
             </a:r>
           </a:p>
         </p:txBody>
@@ -9324,8 +9241,8 @@
         </p:nvSpPr>
         <p:spPr>
           <a:xfrm>
-            <a:off x="3490446" y="3629952"/>
-            <a:ext cx="675274" cy="276999"/>
+            <a:off x="3246474" y="3357845"/>
+            <a:ext cx="1061270" cy="400110"/>
           </a:xfrm>
           <a:prstGeom prst="rect">
             <a:avLst/>
@@ -9350,70 +9267,13 @@
               </a:buClr>
             </a:pPr>
             <a:r>
-              <a:rPr lang="en-US" sz="1200" dirty="0">
+              <a:rPr lang="en-US" sz="1000" dirty="0">
                 <a:solidFill>
                   <a:schemeClr val="bg2"/>
                 </a:solidFill>
                 <a:latin typeface="+mn-lt"/>
               </a:rPr>
-              <a:t>Export</a:t>
-            </a:r>
-          </a:p>
-        </p:txBody>
-      </p:sp>
-      <p:sp>
-        <p:nvSpPr>
-          <p:cNvPr id="35" name="Arrow: Right 34">
-            <a:extLst>
-              <a:ext uri="{FF2B5EF4-FFF2-40B4-BE49-F238E27FC236}">
-                <a16:creationId xmlns:a16="http://schemas.microsoft.com/office/drawing/2014/main" id="{9F853ECD-AF2F-4A52-9EFA-34A8798FAD73}"/>
-              </a:ext>
-            </a:extLst>
-          </p:cNvPr>
-          <p:cNvSpPr/>
-          <p:nvPr/>
-        </p:nvSpPr>
-        <p:spPr>
-          <a:xfrm>
-            <a:off x="5694912" y="3619359"/>
-            <a:ext cx="1180608" cy="955751"/>
-          </a:xfrm>
-          <a:prstGeom prst="rightArrow">
-            <a:avLst/>
-          </a:prstGeom>
-          <a:solidFill>
-            <a:schemeClr val="bg1"/>
-          </a:solidFill>
-          <a:ln w="12700" cmpd="sng">
-            <a:noFill/>
-          </a:ln>
-          <a:effectLst/>
-        </p:spPr>
-        <p:txBody>
-          <a:bodyPr wrap="square" lIns="182880" tIns="137160" rIns="137160" bIns="137160" rtlCol="0" anchor="ctr">
-            <a:noAutofit/>
-          </a:bodyPr>
-          <a:lstStyle/>
-          <a:p>
-            <a:pPr algn="ctr">
-              <a:lnSpc>
-                <a:spcPct val="90000"/>
-              </a:lnSpc>
-              <a:spcBef>
-                <a:spcPts val="600"/>
-              </a:spcBef>
-              <a:spcAft>
-                <a:spcPts val="0"/>
-              </a:spcAft>
-            </a:pPr>
-            <a:r>
-              <a:rPr lang="en-US" sz="1200" dirty="0">
-                <a:solidFill>
-                  <a:schemeClr val="tx2"/>
-                </a:solidFill>
-                <a:latin typeface="+mn-lt"/>
-              </a:rPr>
-              <a:t>Manual boot</a:t>
+              <a:t>Export Smart Deploy Script</a:t>
             </a:r>
           </a:p>
         </p:txBody>
@@ -9432,7 +9292,7 @@
         </p:nvSpPr>
         <p:spPr>
           <a:xfrm>
-            <a:off x="1641255" y="1870433"/>
+            <a:off x="1705850" y="1649821"/>
             <a:ext cx="944914" cy="307777"/>
           </a:xfrm>
           <a:prstGeom prst="rect">
@@ -9483,8 +9343,8 @@
         </p:nvSpPr>
         <p:spPr>
           <a:xfrm>
-            <a:off x="1511487" y="889327"/>
-            <a:ext cx="1060056" cy="356365"/>
+            <a:off x="1504200" y="811497"/>
+            <a:ext cx="1060056" cy="504387"/>
           </a:xfrm>
           <a:prstGeom prst="rect">
             <a:avLst/>
@@ -9521,7 +9381,7 @@
                 </a:solidFill>
                 <a:latin typeface="+mn-lt"/>
               </a:rPr>
-              <a:t>Custom Catalog</a:t>
+              <a:t>Custom Base Catalogs</a:t>
             </a:r>
           </a:p>
         </p:txBody>
@@ -9540,7 +9400,7 @@
         </p:nvSpPr>
         <p:spPr>
           <a:xfrm>
-            <a:off x="1803751" y="1322593"/>
+            <a:off x="1733046" y="1293747"/>
             <a:ext cx="510071" cy="276999"/>
           </a:xfrm>
           <a:prstGeom prst="rect">
@@ -9574,60 +9434,6 @@
               </a:rPr>
               <a:t>Add</a:t>
             </a:r>
-          </a:p>
-        </p:txBody>
-      </p:sp>
-      <p:sp>
-        <p:nvSpPr>
-          <p:cNvPr id="37" name="Arrow: Right 36">
-            <a:extLst>
-              <a:ext uri="{FF2B5EF4-FFF2-40B4-BE49-F238E27FC236}">
-                <a16:creationId xmlns:a16="http://schemas.microsoft.com/office/drawing/2014/main" id="{CFA4537A-5B26-44AD-B48A-9F24FBB3B962}"/>
-              </a:ext>
-            </a:extLst>
-          </p:cNvPr>
-          <p:cNvSpPr/>
-          <p:nvPr/>
-        </p:nvSpPr>
-        <p:spPr>
-          <a:xfrm>
-            <a:off x="1196193" y="3535804"/>
-            <a:ext cx="484773" cy="428878"/>
-          </a:xfrm>
-          <a:prstGeom prst="rightArrow">
-            <a:avLst/>
-          </a:prstGeom>
-          <a:solidFill>
-            <a:srgbClr val="92D050"/>
-          </a:solidFill>
-          <a:ln w="12700" cmpd="sng">
-            <a:noFill/>
-          </a:ln>
-          <a:effectLst/>
-        </p:spPr>
-        <p:txBody>
-          <a:bodyPr wrap="square" lIns="182880" tIns="137160" rIns="137160" bIns="137160" rtlCol="0" anchor="ctr">
-            <a:noAutofit/>
-          </a:bodyPr>
-          <a:lstStyle/>
-          <a:p>
-            <a:pPr algn="ctr">
-              <a:lnSpc>
-                <a:spcPct val="90000"/>
-              </a:lnSpc>
-              <a:spcBef>
-                <a:spcPts val="600"/>
-              </a:spcBef>
-              <a:spcAft>
-                <a:spcPts val="0"/>
-              </a:spcAft>
-            </a:pPr>
-            <a:endParaRPr lang="en-US" sz="1000" dirty="0">
-              <a:solidFill>
-                <a:schemeClr val="tx2"/>
-              </a:solidFill>
-              <a:latin typeface="+mn-lt"/>
-            </a:endParaRPr>
           </a:p>
         </p:txBody>
       </p:sp>
@@ -9645,7 +9451,7 @@
         </p:nvSpPr>
         <p:spPr>
           <a:xfrm>
-            <a:off x="1104029" y="3259174"/>
+            <a:off x="1354412" y="3332912"/>
             <a:ext cx="675274" cy="276999"/>
           </a:xfrm>
           <a:prstGeom prst="rect">
@@ -9750,14 +9556,15 @@
           </p:cNvPr>
           <p:cNvCxnSpPr>
             <a:cxnSpLocks/>
+            <a:stCxn id="95" idx="3"/>
             <a:endCxn id="3" idx="1"/>
           </p:cNvCxnSpPr>
           <p:nvPr/>
         </p:nvCxnSpPr>
         <p:spPr>
           <a:xfrm>
-            <a:off x="1279470" y="1062610"/>
-            <a:ext cx="232017" cy="4900"/>
+            <a:off x="1296126" y="1058256"/>
+            <a:ext cx="208074" cy="5435"/>
           </a:xfrm>
           <a:prstGeom prst="straightConnector1">
             <a:avLst/>
@@ -9842,6 +9649,7 @@
             </a:extLst>
           </p:cNvPr>
           <p:cNvCxnSpPr>
+            <a:cxnSpLocks/>
             <a:stCxn id="3" idx="2"/>
             <a:endCxn id="7" idx="0"/>
           </p:cNvCxnSpPr>
@@ -9849,8 +9657,8 @@
         </p:nvCxnSpPr>
         <p:spPr>
           <a:xfrm>
-            <a:off x="2041515" y="1245692"/>
-            <a:ext cx="342175" cy="691133"/>
+            <a:off x="2034228" y="1315884"/>
+            <a:ext cx="350137" cy="379576"/>
           </a:xfrm>
           <a:prstGeom prst="straightConnector1">
             <a:avLst/>
@@ -9930,7 +9738,7 @@
                 </a:solidFill>
                 <a:latin typeface="+mn-lt"/>
               </a:rPr>
-              <a:t>Extra DUPs</a:t>
+              <a:t>Custom DUPs</a:t>
             </a:r>
           </a:p>
         </p:txBody>
@@ -10000,7 +9808,7 @@
         </p:nvSpPr>
         <p:spPr>
           <a:xfrm>
-            <a:off x="6640833" y="2044307"/>
+            <a:off x="6655009" y="1803309"/>
             <a:ext cx="1181437" cy="547429"/>
           </a:xfrm>
           <a:prstGeom prst="rect">
@@ -10057,7 +9865,7 @@
         </p:nvSpPr>
         <p:spPr>
           <a:xfrm>
-            <a:off x="6793233" y="2196707"/>
+            <a:off x="6779057" y="1955709"/>
             <a:ext cx="1181437" cy="547429"/>
           </a:xfrm>
           <a:prstGeom prst="rect">
@@ -10114,7 +9922,7 @@
         </p:nvSpPr>
         <p:spPr>
           <a:xfrm>
-            <a:off x="6945633" y="2349107"/>
+            <a:off x="6924369" y="2108109"/>
             <a:ext cx="1181437" cy="547429"/>
           </a:xfrm>
           <a:prstGeom prst="rect">
@@ -10171,7 +9979,7 @@
         </p:nvSpPr>
         <p:spPr>
           <a:xfrm>
-            <a:off x="7098033" y="2501507"/>
+            <a:off x="7069681" y="2260509"/>
             <a:ext cx="1181437" cy="547429"/>
           </a:xfrm>
           <a:prstGeom prst="rect">
@@ -10228,7 +10036,7 @@
         </p:nvSpPr>
         <p:spPr>
           <a:xfrm>
-            <a:off x="7250433" y="2653907"/>
+            <a:off x="7214993" y="2412909"/>
             <a:ext cx="1181437" cy="547429"/>
           </a:xfrm>
           <a:prstGeom prst="rect">
@@ -10285,7 +10093,7 @@
         </p:nvSpPr>
         <p:spPr>
           <a:xfrm>
-            <a:off x="7402833" y="2806307"/>
+            <a:off x="7360305" y="2565309"/>
             <a:ext cx="1181437" cy="547429"/>
           </a:xfrm>
           <a:prstGeom prst="rect">
@@ -10323,71 +10131,8 @@
                 </a:solidFill>
                 <a:latin typeface="+mn-lt"/>
               </a:rPr>
-              <a:t>DCS/DSS</a:t>
-            </a:r>
-          </a:p>
-        </p:txBody>
-      </p:sp>
-      <p:sp>
-        <p:nvSpPr>
-          <p:cNvPr id="83" name="Rectangle 82">
-            <a:extLst>
-              <a:ext uri="{FF2B5EF4-FFF2-40B4-BE49-F238E27FC236}">
-                <a16:creationId xmlns:a16="http://schemas.microsoft.com/office/drawing/2014/main" id="{0576C9A0-A92A-4295-B216-2D0CDE2FC8EC}"/>
-              </a:ext>
-            </a:extLst>
-          </p:cNvPr>
-          <p:cNvSpPr/>
-          <p:nvPr/>
-        </p:nvSpPr>
-        <p:spPr>
-          <a:xfrm>
-            <a:off x="6996398" y="3848156"/>
-            <a:ext cx="1181437" cy="547429"/>
-          </a:xfrm>
-          <a:prstGeom prst="rect">
-            <a:avLst/>
-          </a:prstGeom>
-          <a:solidFill>
-            <a:schemeClr val="bg1"/>
-          </a:solidFill>
-          <a:ln w="12700" cmpd="sng">
-            <a:noFill/>
-          </a:ln>
-          <a:effectLst/>
-        </p:spPr>
-        <p:txBody>
-          <a:bodyPr wrap="square" lIns="182880" tIns="137160" rIns="137160" bIns="137160" rtlCol="0" anchor="ctr">
-            <a:noAutofit/>
-          </a:bodyPr>
-          <a:lstStyle/>
-          <a:p>
-            <a:pPr algn="ctr">
-              <a:lnSpc>
-                <a:spcPct val="90000"/>
-              </a:lnSpc>
-              <a:spcBef>
-                <a:spcPts val="600"/>
-              </a:spcBef>
-              <a:spcAft>
-                <a:spcPts val="0"/>
-              </a:spcAft>
-            </a:pPr>
-            <a:r>
-              <a:rPr lang="en-US" sz="1400">
-                <a:solidFill>
-                  <a:schemeClr val="tx2"/>
-                </a:solidFill>
-                <a:latin typeface="+mn-lt"/>
-              </a:rPr>
-              <a:t>DCS</a:t>
-            </a:r>
-            <a:endParaRPr lang="en-US" sz="1400" dirty="0">
-              <a:solidFill>
-                <a:schemeClr val="tx2"/>
-              </a:solidFill>
-              <a:latin typeface="+mn-lt"/>
-            </a:endParaRPr>
+              <a:t>DCS1610</a:t>
+            </a:r>
           </a:p>
         </p:txBody>
       </p:sp>
@@ -10452,13 +10197,18 @@
         </p:nvSpPr>
         <p:spPr>
           <a:xfrm>
-            <a:off x="4403560" y="2049663"/>
+            <a:off x="4353086" y="2050235"/>
             <a:ext cx="1079375" cy="738664"/>
           </a:xfrm>
           <a:prstGeom prst="rect">
             <a:avLst/>
           </a:prstGeom>
           <a:noFill/>
+          <a:ln>
+            <a:solidFill>
+              <a:schemeClr val="accent1"/>
+            </a:solidFill>
+          </a:ln>
         </p:spPr>
         <p:txBody>
           <a:bodyPr wrap="square" rtlCol="0">
@@ -10484,7 +10234,7 @@
                 </a:solidFill>
                 <a:latin typeface="+mn-lt"/>
               </a:rPr>
-              <a:t>(Customer)</a:t>
+              <a:t>(AT&amp;T)</a:t>
             </a:r>
           </a:p>
           <a:p>
@@ -10525,13 +10275,18 @@
         </p:nvSpPr>
         <p:spPr>
           <a:xfrm>
-            <a:off x="3380858" y="2058156"/>
-            <a:ext cx="1033137" cy="738664"/>
+            <a:off x="3222347" y="2050210"/>
+            <a:ext cx="1035353" cy="738664"/>
           </a:xfrm>
           <a:prstGeom prst="rect">
             <a:avLst/>
           </a:prstGeom>
           <a:noFill/>
+          <a:ln>
+            <a:solidFill>
+              <a:schemeClr val="accent1"/>
+            </a:solidFill>
+          </a:ln>
         </p:spPr>
         <p:txBody>
           <a:bodyPr wrap="square" rtlCol="0">
@@ -10641,6 +10396,741 @@
           </a:p>
         </p:txBody>
       </p:sp>
+      <p:sp>
+        <p:nvSpPr>
+          <p:cNvPr id="50" name="Cylinder 49">
+            <a:extLst>
+              <a:ext uri="{FF2B5EF4-FFF2-40B4-BE49-F238E27FC236}">
+                <a16:creationId xmlns:a16="http://schemas.microsoft.com/office/drawing/2014/main" id="{4C6E694C-F75B-4A1F-870C-F3B961BEBA84}"/>
+              </a:ext>
+            </a:extLst>
+          </p:cNvPr>
+          <p:cNvSpPr/>
+          <p:nvPr/>
+        </p:nvSpPr>
+        <p:spPr>
+          <a:xfrm>
+            <a:off x="4738868" y="3650448"/>
+            <a:ext cx="712099" cy="618846"/>
+          </a:xfrm>
+          <a:prstGeom prst="can">
+            <a:avLst/>
+          </a:prstGeom>
+          <a:solidFill>
+            <a:schemeClr val="bg1"/>
+          </a:solidFill>
+          <a:ln w="12700" cmpd="sng">
+            <a:noFill/>
+          </a:ln>
+          <a:effectLst/>
+        </p:spPr>
+        <p:txBody>
+          <a:bodyPr wrap="square" lIns="182880" tIns="137160" rIns="137160" bIns="137160" rtlCol="0" anchor="ctr">
+            <a:noAutofit/>
+          </a:bodyPr>
+          <a:lstStyle/>
+          <a:p>
+            <a:pPr algn="ctr">
+              <a:lnSpc>
+                <a:spcPct val="90000"/>
+              </a:lnSpc>
+              <a:spcBef>
+                <a:spcPts val="600"/>
+              </a:spcBef>
+              <a:spcAft>
+                <a:spcPts val="0"/>
+              </a:spcAft>
+            </a:pPr>
+            <a:r>
+              <a:rPr lang="en-US" sz="1200" dirty="0">
+                <a:solidFill>
+                  <a:schemeClr val="tx2"/>
+                </a:solidFill>
+                <a:latin typeface="+mn-lt"/>
+              </a:rPr>
+              <a:t>File share2</a:t>
+            </a:r>
+          </a:p>
+        </p:txBody>
+      </p:sp>
+      <p:sp>
+        <p:nvSpPr>
+          <p:cNvPr id="55" name="Cylinder 54">
+            <a:extLst>
+              <a:ext uri="{FF2B5EF4-FFF2-40B4-BE49-F238E27FC236}">
+                <a16:creationId xmlns:a16="http://schemas.microsoft.com/office/drawing/2014/main" id="{26C89EE3-A7D5-4431-926D-74B9C95A1B0A}"/>
+              </a:ext>
+            </a:extLst>
+          </p:cNvPr>
+          <p:cNvSpPr/>
+          <p:nvPr/>
+        </p:nvSpPr>
+        <p:spPr>
+          <a:xfrm>
+            <a:off x="1801989" y="3665181"/>
+            <a:ext cx="1167609" cy="536618"/>
+          </a:xfrm>
+          <a:prstGeom prst="can">
+            <a:avLst/>
+          </a:prstGeom>
+          <a:solidFill>
+            <a:schemeClr val="accent2"/>
+          </a:solidFill>
+          <a:ln w="12700" cmpd="sng">
+            <a:noFill/>
+          </a:ln>
+          <a:effectLst/>
+        </p:spPr>
+        <p:txBody>
+          <a:bodyPr wrap="square" lIns="182880" tIns="137160" rIns="137160" bIns="137160" rtlCol="0" anchor="ctr">
+            <a:noAutofit/>
+          </a:bodyPr>
+          <a:lstStyle/>
+          <a:p>
+            <a:pPr algn="ctr">
+              <a:lnSpc>
+                <a:spcPct val="90000"/>
+              </a:lnSpc>
+              <a:spcBef>
+                <a:spcPts val="600"/>
+              </a:spcBef>
+              <a:spcAft>
+                <a:spcPts val="0"/>
+              </a:spcAft>
+            </a:pPr>
+            <a:r>
+              <a:rPr lang="en-US" sz="1400" dirty="0">
+                <a:solidFill>
+                  <a:schemeClr val="tx2"/>
+                </a:solidFill>
+                <a:latin typeface="+mn-lt"/>
+              </a:rPr>
+              <a:t>DSS9600 repo</a:t>
+            </a:r>
+          </a:p>
+        </p:txBody>
+      </p:sp>
+      <p:sp>
+        <p:nvSpPr>
+          <p:cNvPr id="56" name="Arrow: Right 55">
+            <a:extLst>
+              <a:ext uri="{FF2B5EF4-FFF2-40B4-BE49-F238E27FC236}">
+                <a16:creationId xmlns:a16="http://schemas.microsoft.com/office/drawing/2014/main" id="{C9CC1F9B-69A7-429D-89F3-BE1E04028545}"/>
+              </a:ext>
+            </a:extLst>
+          </p:cNvPr>
+          <p:cNvSpPr/>
+          <p:nvPr/>
+        </p:nvSpPr>
+        <p:spPr>
+          <a:xfrm>
+            <a:off x="5622697" y="3481995"/>
+            <a:ext cx="1209535" cy="955751"/>
+          </a:xfrm>
+          <a:prstGeom prst="rightArrow">
+            <a:avLst/>
+          </a:prstGeom>
+          <a:solidFill>
+            <a:schemeClr val="bg1"/>
+          </a:solidFill>
+          <a:ln w="12700" cmpd="sng">
+            <a:noFill/>
+          </a:ln>
+          <a:effectLst/>
+        </p:spPr>
+        <p:txBody>
+          <a:bodyPr wrap="square" lIns="182880" tIns="137160" rIns="137160" bIns="137160" rtlCol="0" anchor="ctr">
+            <a:noAutofit/>
+          </a:bodyPr>
+          <a:lstStyle/>
+          <a:p>
+            <a:pPr algn="ctr">
+              <a:lnSpc>
+                <a:spcPct val="90000"/>
+              </a:lnSpc>
+              <a:spcBef>
+                <a:spcPts val="600"/>
+              </a:spcBef>
+              <a:spcAft>
+                <a:spcPts val="0"/>
+              </a:spcAft>
+            </a:pPr>
+            <a:r>
+              <a:rPr lang="en-US" sz="1200" dirty="0">
+                <a:solidFill>
+                  <a:schemeClr val="tx2"/>
+                </a:solidFill>
+                <a:latin typeface="+mn-lt"/>
+              </a:rPr>
+              <a:t>Smart Deploy Script</a:t>
+            </a:r>
+          </a:p>
+        </p:txBody>
+      </p:sp>
+      <p:sp>
+        <p:nvSpPr>
+          <p:cNvPr id="61" name="Rectangle 60">
+            <a:extLst>
+              <a:ext uri="{FF2B5EF4-FFF2-40B4-BE49-F238E27FC236}">
+                <a16:creationId xmlns:a16="http://schemas.microsoft.com/office/drawing/2014/main" id="{72A11A2E-848F-4DBB-B351-D6102CBB5390}"/>
+              </a:ext>
+            </a:extLst>
+          </p:cNvPr>
+          <p:cNvSpPr/>
+          <p:nvPr/>
+        </p:nvSpPr>
+        <p:spPr>
+          <a:xfrm>
+            <a:off x="6761588" y="3382771"/>
+            <a:ext cx="1181437" cy="277823"/>
+          </a:xfrm>
+          <a:prstGeom prst="rect">
+            <a:avLst/>
+          </a:prstGeom>
+          <a:solidFill>
+            <a:schemeClr val="bg1"/>
+          </a:solidFill>
+          <a:ln w="12700" cmpd="sng">
+            <a:noFill/>
+          </a:ln>
+          <a:effectLst/>
+        </p:spPr>
+        <p:txBody>
+          <a:bodyPr wrap="square" lIns="182880" tIns="137160" rIns="137160" bIns="137160" rtlCol="0" anchor="ctr">
+            <a:noAutofit/>
+          </a:bodyPr>
+          <a:lstStyle/>
+          <a:p>
+            <a:pPr algn="ctr">
+              <a:lnSpc>
+                <a:spcPct val="90000"/>
+              </a:lnSpc>
+              <a:spcBef>
+                <a:spcPts val="600"/>
+              </a:spcBef>
+              <a:spcAft>
+                <a:spcPts val="0"/>
+              </a:spcAft>
+            </a:pPr>
+            <a:endParaRPr lang="en-US" sz="1400" dirty="0">
+              <a:solidFill>
+                <a:schemeClr val="tx2"/>
+              </a:solidFill>
+              <a:latin typeface="+mn-lt"/>
+            </a:endParaRPr>
+          </a:p>
+        </p:txBody>
+      </p:sp>
+      <p:sp>
+        <p:nvSpPr>
+          <p:cNvPr id="60" name="Rectangle 59">
+            <a:extLst>
+              <a:ext uri="{FF2B5EF4-FFF2-40B4-BE49-F238E27FC236}">
+                <a16:creationId xmlns:a16="http://schemas.microsoft.com/office/drawing/2014/main" id="{9CFF4A8C-A592-4BD9-8A87-DE97B4846BC5}"/>
+              </a:ext>
+            </a:extLst>
+          </p:cNvPr>
+          <p:cNvSpPr/>
+          <p:nvPr/>
+        </p:nvSpPr>
+        <p:spPr>
+          <a:xfrm>
+            <a:off x="6892724" y="3500011"/>
+            <a:ext cx="1181437" cy="277823"/>
+          </a:xfrm>
+          <a:prstGeom prst="rect">
+            <a:avLst/>
+          </a:prstGeom>
+          <a:solidFill>
+            <a:schemeClr val="bg1"/>
+          </a:solidFill>
+          <a:ln w="12700" cmpd="sng">
+            <a:noFill/>
+          </a:ln>
+          <a:effectLst/>
+        </p:spPr>
+        <p:txBody>
+          <a:bodyPr wrap="square" lIns="182880" tIns="137160" rIns="137160" bIns="137160" rtlCol="0" anchor="ctr">
+            <a:noAutofit/>
+          </a:bodyPr>
+          <a:lstStyle/>
+          <a:p>
+            <a:pPr algn="ctr">
+              <a:lnSpc>
+                <a:spcPct val="90000"/>
+              </a:lnSpc>
+              <a:spcBef>
+                <a:spcPts val="600"/>
+              </a:spcBef>
+              <a:spcAft>
+                <a:spcPts val="0"/>
+              </a:spcAft>
+            </a:pPr>
+            <a:endParaRPr lang="en-US" sz="1400" dirty="0">
+              <a:solidFill>
+                <a:schemeClr val="tx2"/>
+              </a:solidFill>
+              <a:latin typeface="+mn-lt"/>
+            </a:endParaRPr>
+          </a:p>
+        </p:txBody>
+      </p:sp>
+      <p:sp>
+        <p:nvSpPr>
+          <p:cNvPr id="57" name="Rectangle 56">
+            <a:extLst>
+              <a:ext uri="{FF2B5EF4-FFF2-40B4-BE49-F238E27FC236}">
+                <a16:creationId xmlns:a16="http://schemas.microsoft.com/office/drawing/2014/main" id="{D078C5C2-CA29-48DF-AB23-70F4B7A2BB90}"/>
+              </a:ext>
+            </a:extLst>
+          </p:cNvPr>
+          <p:cNvSpPr/>
+          <p:nvPr/>
+        </p:nvSpPr>
+        <p:spPr>
+          <a:xfrm>
+            <a:off x="7023610" y="3609911"/>
+            <a:ext cx="1181437" cy="277823"/>
+          </a:xfrm>
+          <a:prstGeom prst="rect">
+            <a:avLst/>
+          </a:prstGeom>
+          <a:solidFill>
+            <a:schemeClr val="bg1"/>
+          </a:solidFill>
+          <a:ln w="12700" cmpd="sng">
+            <a:noFill/>
+          </a:ln>
+          <a:effectLst/>
+        </p:spPr>
+        <p:txBody>
+          <a:bodyPr wrap="square" lIns="182880" tIns="137160" rIns="137160" bIns="137160" rtlCol="0" anchor="ctr">
+            <a:noAutofit/>
+          </a:bodyPr>
+          <a:lstStyle/>
+          <a:p>
+            <a:pPr algn="ctr">
+              <a:lnSpc>
+                <a:spcPct val="90000"/>
+              </a:lnSpc>
+              <a:spcBef>
+                <a:spcPts val="600"/>
+              </a:spcBef>
+              <a:spcAft>
+                <a:spcPts val="0"/>
+              </a:spcAft>
+            </a:pPr>
+            <a:endParaRPr lang="en-US" sz="1400" dirty="0">
+              <a:solidFill>
+                <a:schemeClr val="tx2"/>
+              </a:solidFill>
+              <a:latin typeface="+mn-lt"/>
+            </a:endParaRPr>
+          </a:p>
+        </p:txBody>
+      </p:sp>
+      <p:sp>
+        <p:nvSpPr>
+          <p:cNvPr id="58" name="Rectangle 57">
+            <a:extLst>
+              <a:ext uri="{FF2B5EF4-FFF2-40B4-BE49-F238E27FC236}">
+                <a16:creationId xmlns:a16="http://schemas.microsoft.com/office/drawing/2014/main" id="{3AF039FC-F261-4738-82C4-E00B9810DF45}"/>
+              </a:ext>
+            </a:extLst>
+          </p:cNvPr>
+          <p:cNvSpPr/>
+          <p:nvPr/>
+        </p:nvSpPr>
+        <p:spPr>
+          <a:xfrm>
+            <a:off x="7151686" y="3711896"/>
+            <a:ext cx="1181437" cy="277823"/>
+          </a:xfrm>
+          <a:prstGeom prst="rect">
+            <a:avLst/>
+          </a:prstGeom>
+          <a:solidFill>
+            <a:schemeClr val="bg1"/>
+          </a:solidFill>
+          <a:ln w="12700" cmpd="sng">
+            <a:noFill/>
+          </a:ln>
+          <a:effectLst/>
+        </p:spPr>
+        <p:txBody>
+          <a:bodyPr wrap="square" lIns="182880" tIns="137160" rIns="137160" bIns="137160" rtlCol="0" anchor="ctr">
+            <a:noAutofit/>
+          </a:bodyPr>
+          <a:lstStyle/>
+          <a:p>
+            <a:pPr algn="ctr">
+              <a:lnSpc>
+                <a:spcPct val="90000"/>
+              </a:lnSpc>
+              <a:spcBef>
+                <a:spcPts val="600"/>
+              </a:spcBef>
+              <a:spcAft>
+                <a:spcPts val="0"/>
+              </a:spcAft>
+            </a:pPr>
+            <a:endParaRPr lang="en-US" sz="1400" dirty="0">
+              <a:solidFill>
+                <a:schemeClr val="tx2"/>
+              </a:solidFill>
+              <a:latin typeface="+mn-lt"/>
+            </a:endParaRPr>
+          </a:p>
+        </p:txBody>
+      </p:sp>
+      <p:sp>
+        <p:nvSpPr>
+          <p:cNvPr id="59" name="Rectangle 58">
+            <a:extLst>
+              <a:ext uri="{FF2B5EF4-FFF2-40B4-BE49-F238E27FC236}">
+                <a16:creationId xmlns:a16="http://schemas.microsoft.com/office/drawing/2014/main" id="{85ED64A5-BA24-4DEE-87AD-3094AD909F80}"/>
+              </a:ext>
+            </a:extLst>
+          </p:cNvPr>
+          <p:cNvSpPr/>
+          <p:nvPr/>
+        </p:nvSpPr>
+        <p:spPr>
+          <a:xfrm>
+            <a:off x="7281175" y="3850807"/>
+            <a:ext cx="1181437" cy="277823"/>
+          </a:xfrm>
+          <a:prstGeom prst="rect">
+            <a:avLst/>
+          </a:prstGeom>
+          <a:solidFill>
+            <a:schemeClr val="bg1"/>
+          </a:solidFill>
+          <a:ln w="12700" cmpd="sng">
+            <a:noFill/>
+          </a:ln>
+          <a:effectLst/>
+        </p:spPr>
+        <p:txBody>
+          <a:bodyPr wrap="square" lIns="182880" tIns="137160" rIns="137160" bIns="137160" rtlCol="0" anchor="ctr">
+            <a:noAutofit/>
+          </a:bodyPr>
+          <a:lstStyle/>
+          <a:p>
+            <a:pPr algn="ctr">
+              <a:lnSpc>
+                <a:spcPct val="90000"/>
+              </a:lnSpc>
+              <a:spcBef>
+                <a:spcPts val="600"/>
+              </a:spcBef>
+              <a:spcAft>
+                <a:spcPts val="0"/>
+              </a:spcAft>
+            </a:pPr>
+            <a:endParaRPr lang="en-US" sz="1400" dirty="0">
+              <a:solidFill>
+                <a:schemeClr val="tx2"/>
+              </a:solidFill>
+              <a:latin typeface="+mn-lt"/>
+            </a:endParaRPr>
+          </a:p>
+        </p:txBody>
+      </p:sp>
+      <p:sp>
+        <p:nvSpPr>
+          <p:cNvPr id="62" name="Rectangle 61">
+            <a:extLst>
+              <a:ext uri="{FF2B5EF4-FFF2-40B4-BE49-F238E27FC236}">
+                <a16:creationId xmlns:a16="http://schemas.microsoft.com/office/drawing/2014/main" id="{46DFF6B8-7E1F-44C5-8FB7-40B064358202}"/>
+              </a:ext>
+            </a:extLst>
+          </p:cNvPr>
+          <p:cNvSpPr/>
+          <p:nvPr/>
+        </p:nvSpPr>
+        <p:spPr>
+          <a:xfrm>
+            <a:off x="7405223" y="3981943"/>
+            <a:ext cx="1181437" cy="277823"/>
+          </a:xfrm>
+          <a:prstGeom prst="rect">
+            <a:avLst/>
+          </a:prstGeom>
+          <a:solidFill>
+            <a:schemeClr val="bg1"/>
+          </a:solidFill>
+          <a:ln w="12700" cmpd="sng">
+            <a:noFill/>
+          </a:ln>
+          <a:effectLst/>
+        </p:spPr>
+        <p:txBody>
+          <a:bodyPr wrap="square" lIns="182880" tIns="137160" rIns="137160" bIns="137160" rtlCol="0" anchor="ctr">
+            <a:noAutofit/>
+          </a:bodyPr>
+          <a:lstStyle/>
+          <a:p>
+            <a:pPr algn="ctr">
+              <a:lnSpc>
+                <a:spcPct val="90000"/>
+              </a:lnSpc>
+              <a:spcBef>
+                <a:spcPts val="600"/>
+              </a:spcBef>
+              <a:spcAft>
+                <a:spcPts val="0"/>
+              </a:spcAft>
+            </a:pPr>
+            <a:endParaRPr lang="en-US" sz="1400" dirty="0">
+              <a:solidFill>
+                <a:schemeClr val="tx2"/>
+              </a:solidFill>
+              <a:latin typeface="+mn-lt"/>
+            </a:endParaRPr>
+          </a:p>
+        </p:txBody>
+      </p:sp>
+      <p:sp>
+        <p:nvSpPr>
+          <p:cNvPr id="63" name="Rectangle 62">
+            <a:extLst>
+              <a:ext uri="{FF2B5EF4-FFF2-40B4-BE49-F238E27FC236}">
+                <a16:creationId xmlns:a16="http://schemas.microsoft.com/office/drawing/2014/main" id="{066AF074-D894-4EE0-8F07-5E6AB1835121}"/>
+              </a:ext>
+            </a:extLst>
+          </p:cNvPr>
+          <p:cNvSpPr/>
+          <p:nvPr/>
+        </p:nvSpPr>
+        <p:spPr>
+          <a:xfrm>
+            <a:off x="7522183" y="4105991"/>
+            <a:ext cx="1181437" cy="277823"/>
+          </a:xfrm>
+          <a:prstGeom prst="rect">
+            <a:avLst/>
+          </a:prstGeom>
+          <a:solidFill>
+            <a:schemeClr val="bg1"/>
+          </a:solidFill>
+          <a:ln w="12700" cmpd="sng">
+            <a:noFill/>
+          </a:ln>
+          <a:effectLst/>
+        </p:spPr>
+        <p:txBody>
+          <a:bodyPr wrap="square" lIns="182880" tIns="137160" rIns="137160" bIns="137160" rtlCol="0" anchor="ctr">
+            <a:noAutofit/>
+          </a:bodyPr>
+          <a:lstStyle/>
+          <a:p>
+            <a:pPr algn="ctr">
+              <a:lnSpc>
+                <a:spcPct val="90000"/>
+              </a:lnSpc>
+              <a:spcBef>
+                <a:spcPts val="600"/>
+              </a:spcBef>
+              <a:spcAft>
+                <a:spcPts val="0"/>
+              </a:spcAft>
+            </a:pPr>
+            <a:r>
+              <a:rPr lang="en-US" sz="1400" dirty="0">
+                <a:solidFill>
+                  <a:schemeClr val="tx2"/>
+                </a:solidFill>
+                <a:latin typeface="+mn-lt"/>
+              </a:rPr>
+              <a:t>DSS9600</a:t>
+            </a:r>
+          </a:p>
+        </p:txBody>
+      </p:sp>
+      <p:cxnSp>
+        <p:nvCxnSpPr>
+          <p:cNvPr id="32" name="Straight Arrow Connector 31">
+            <a:extLst>
+              <a:ext uri="{FF2B5EF4-FFF2-40B4-BE49-F238E27FC236}">
+                <a16:creationId xmlns:a16="http://schemas.microsoft.com/office/drawing/2014/main" id="{F6C2A046-6D4A-479C-8CAB-BCC81D109507}"/>
+              </a:ext>
+            </a:extLst>
+          </p:cNvPr>
+          <p:cNvCxnSpPr>
+            <a:stCxn id="39" idx="3"/>
+            <a:endCxn id="8" idx="2"/>
+          </p:cNvCxnSpPr>
+          <p:nvPr/>
+        </p:nvCxnSpPr>
+        <p:spPr>
+          <a:xfrm flipV="1">
+            <a:off x="1178042" y="3064919"/>
+            <a:ext cx="619090" cy="166189"/>
+          </a:xfrm>
+          <a:prstGeom prst="straightConnector1">
+            <a:avLst/>
+          </a:prstGeom>
+          <a:ln w="12700" cmpd="sng">
+            <a:solidFill>
+              <a:srgbClr val="000000"/>
+            </a:solidFill>
+            <a:tailEnd type="triangle"/>
+          </a:ln>
+          <a:effectLst/>
+        </p:spPr>
+        <p:style>
+          <a:lnRef idx="2">
+            <a:schemeClr val="accent1"/>
+          </a:lnRef>
+          <a:fillRef idx="0">
+            <a:schemeClr val="accent1"/>
+          </a:fillRef>
+          <a:effectRef idx="1">
+            <a:schemeClr val="accent1"/>
+          </a:effectRef>
+          <a:fontRef idx="minor">
+            <a:schemeClr val="tx1"/>
+          </a:fontRef>
+        </p:style>
+      </p:cxnSp>
+      <p:cxnSp>
+        <p:nvCxnSpPr>
+          <p:cNvPr id="43" name="Straight Arrow Connector 42">
+            <a:extLst>
+              <a:ext uri="{FF2B5EF4-FFF2-40B4-BE49-F238E27FC236}">
+                <a16:creationId xmlns:a16="http://schemas.microsoft.com/office/drawing/2014/main" id="{1974CDFB-05D9-4965-A216-011B04691BAB}"/>
+              </a:ext>
+            </a:extLst>
+          </p:cNvPr>
+          <p:cNvCxnSpPr>
+            <a:stCxn id="39" idx="3"/>
+            <a:endCxn id="55" idx="2"/>
+          </p:cNvCxnSpPr>
+          <p:nvPr/>
+        </p:nvCxnSpPr>
+        <p:spPr>
+          <a:xfrm>
+            <a:off x="1178042" y="3231108"/>
+            <a:ext cx="623947" cy="702382"/>
+          </a:xfrm>
+          <a:prstGeom prst="straightConnector1">
+            <a:avLst/>
+          </a:prstGeom>
+          <a:ln w="12700" cmpd="sng">
+            <a:solidFill>
+              <a:srgbClr val="000000"/>
+            </a:solidFill>
+            <a:tailEnd type="triangle"/>
+          </a:ln>
+          <a:effectLst/>
+        </p:spPr>
+        <p:style>
+          <a:lnRef idx="2">
+            <a:schemeClr val="accent1"/>
+          </a:lnRef>
+          <a:fillRef idx="0">
+            <a:schemeClr val="accent1"/>
+          </a:fillRef>
+          <a:effectRef idx="1">
+            <a:schemeClr val="accent1"/>
+          </a:effectRef>
+          <a:fontRef idx="minor">
+            <a:schemeClr val="tx1"/>
+          </a:fontRef>
+        </p:style>
+      </p:cxnSp>
+      <p:cxnSp>
+        <p:nvCxnSpPr>
+          <p:cNvPr id="45" name="Straight Arrow Connector 44">
+            <a:extLst>
+              <a:ext uri="{FF2B5EF4-FFF2-40B4-BE49-F238E27FC236}">
+                <a16:creationId xmlns:a16="http://schemas.microsoft.com/office/drawing/2014/main" id="{EDE94974-4AE2-4A76-9B7B-07B035100593}"/>
+              </a:ext>
+            </a:extLst>
+          </p:cNvPr>
+          <p:cNvCxnSpPr>
+            <a:stCxn id="74" idx="3"/>
+          </p:cNvCxnSpPr>
+          <p:nvPr/>
+        </p:nvCxnSpPr>
+        <p:spPr>
+          <a:xfrm flipV="1">
+            <a:off x="1174992" y="3064919"/>
+            <a:ext cx="604266" cy="716625"/>
+          </a:xfrm>
+          <a:prstGeom prst="straightConnector1">
+            <a:avLst/>
+          </a:prstGeom>
+          <a:ln w="12700" cmpd="sng">
+            <a:solidFill>
+              <a:srgbClr val="000000"/>
+            </a:solidFill>
+            <a:tailEnd type="triangle"/>
+          </a:ln>
+          <a:effectLst/>
+        </p:spPr>
+        <p:style>
+          <a:lnRef idx="2">
+            <a:schemeClr val="accent1"/>
+          </a:lnRef>
+          <a:fillRef idx="0">
+            <a:schemeClr val="accent1"/>
+          </a:fillRef>
+          <a:effectRef idx="1">
+            <a:schemeClr val="accent1"/>
+          </a:effectRef>
+          <a:fontRef idx="minor">
+            <a:schemeClr val="tx1"/>
+          </a:fontRef>
+        </p:style>
+      </p:cxnSp>
+      <p:cxnSp>
+        <p:nvCxnSpPr>
+          <p:cNvPr id="47" name="Straight Arrow Connector 46">
+            <a:extLst>
+              <a:ext uri="{FF2B5EF4-FFF2-40B4-BE49-F238E27FC236}">
+                <a16:creationId xmlns:a16="http://schemas.microsoft.com/office/drawing/2014/main" id="{05CBE4F7-4BB2-4E01-85FF-5AE859F8C517}"/>
+              </a:ext>
+            </a:extLst>
+          </p:cNvPr>
+          <p:cNvCxnSpPr>
+            <a:stCxn id="74" idx="3"/>
+            <a:endCxn id="55" idx="2"/>
+          </p:cNvCxnSpPr>
+          <p:nvPr/>
+        </p:nvCxnSpPr>
+        <p:spPr>
+          <a:xfrm>
+            <a:off x="1174992" y="3781544"/>
+            <a:ext cx="626997" cy="151946"/>
+          </a:xfrm>
+          <a:prstGeom prst="straightConnector1">
+            <a:avLst/>
+          </a:prstGeom>
+          <a:ln w="12700" cmpd="sng">
+            <a:solidFill>
+              <a:srgbClr val="000000"/>
+            </a:solidFill>
+            <a:tailEnd type="triangle"/>
+          </a:ln>
+          <a:effectLst/>
+        </p:spPr>
+        <p:style>
+          <a:lnRef idx="2">
+            <a:schemeClr val="accent1"/>
+          </a:lnRef>
+          <a:fillRef idx="0">
+            <a:schemeClr val="accent1"/>
+          </a:fillRef>
+          <a:effectRef idx="1">
+            <a:schemeClr val="accent1"/>
+          </a:effectRef>
+          <a:fontRef idx="minor">
+            <a:schemeClr val="tx1"/>
+          </a:fontRef>
+        </p:style>
+      </p:cxnSp>
     </p:spTree>
     <p:extLst>
       <p:ext uri="{BB962C8B-B14F-4D97-AF65-F5344CB8AC3E}">
@@ -10747,41 +11237,40 @@
             <a:pPr lvl="1"/>
             <a:r>
               <a:rPr lang="en-US" sz="1800" dirty="0"/>
-              <a:t>Empower customer to update hundreds of systems with minimum effort.</a:t>
+              <a:t>Empower customer to update DCS/DSS systems by familiar methods.</a:t>
             </a:r>
           </a:p>
           <a:p>
             <a:pPr lvl="1"/>
             <a:r>
               <a:rPr lang="en-US" sz="1800" dirty="0"/>
-              <a:t>Provide updates as needed, or on </a:t>
-            </a:r>
-            <a:r>
-              <a:rPr lang="en-US" sz="1800"/>
-              <a:t>a schedule.</a:t>
+              <a:t>Provide updates as needed, or on a schedule.</a:t>
+            </a:r>
+          </a:p>
+          <a:p>
+            <a:r>
+              <a:rPr lang="en-US" sz="2000" dirty="0"/>
+              <a:t>Deliver updates packaged for Smart Deployment Script</a:t>
+            </a:r>
+          </a:p>
+          <a:p>
+            <a:pPr lvl="1"/>
+            <a:r>
+              <a:rPr lang="en-US" sz="1800" dirty="0"/>
+              <a:t>Dell maintains DRM repository here.</a:t>
+            </a:r>
+          </a:p>
+          <a:p>
+            <a:pPr lvl="1"/>
+            <a:r>
+              <a:rPr lang="en-US" sz="1800" dirty="0"/>
+              <a:t>Export script files and </a:t>
+            </a:r>
+            <a:r>
+              <a:rPr lang="en-US" sz="1800" dirty="0" err="1"/>
+              <a:t>DUPs.</a:t>
             </a:r>
             <a:endParaRPr lang="en-US" sz="1800" dirty="0"/>
-          </a:p>
-          <a:p>
-            <a:r>
-              <a:rPr lang="en-US" sz="2000" dirty="0"/>
-              <a:t>Deliver updates packaged for </a:t>
-            </a:r>
-            <a:r>
-              <a:rPr lang="en-US" sz="2000" dirty="0" err="1"/>
-              <a:t>iDrac</a:t>
-            </a:r>
-            <a:r>
-              <a:rPr lang="en-US" sz="2000" dirty="0"/>
-              <a:t> Automatic Updates consumption</a:t>
-            </a:r>
-          </a:p>
-          <a:p>
-            <a:pPr lvl="1"/>
-            <a:r>
-              <a:rPr lang="en-US" sz="1800" dirty="0"/>
-              <a:t>Maintain DRM repository here and export updates as needed.</a:t>
-            </a:r>
           </a:p>
           <a:p>
             <a:r>
@@ -10793,21 +11282,21 @@
             <a:pPr lvl="1"/>
             <a:r>
               <a:rPr lang="en-US" sz="1800" dirty="0"/>
-              <a:t>Delivered directly by CST as complete set with built-in xml.</a:t>
+              <a:t>Delivered directly by CST as zip file with built-in script and catalog.</a:t>
             </a:r>
           </a:p>
           <a:p>
             <a:pPr lvl="1"/>
             <a:r>
               <a:rPr lang="en-US" sz="1800" dirty="0"/>
-              <a:t>Customer replaces old files with new</a:t>
+              <a:t>Replace old files with new repository</a:t>
             </a:r>
           </a:p>
           <a:p>
             <a:pPr lvl="1"/>
             <a:r>
               <a:rPr lang="en-US" sz="1800" dirty="0"/>
-              <a:t>Systems pick up updates on schedule.</a:t>
+              <a:t>Sysadmins pick up updates from file share.</a:t>
             </a:r>
           </a:p>
           <a:p>
